--- a/Daily Agendas/Day02.2_VariablesAndRelationships.pptx
+++ b/Daily Agendas/Day02.2_VariablesAndRelationships.pptx
@@ -303,7 +303,7 @@
             <a:fld id="{1D8BD707-D9CF-40AE-B4C6-C98DA3205C09}" type="datetimeFigureOut">
               <a:rPr lang="en-US" smtClean="0"/>
               <a:pPr/>
-              <a:t>2/7/2020</a:t>
+              <a:t>2/10/2020</a:t>
             </a:fld>
             <a:endParaRPr lang="en-US"/>
           </a:p>
@@ -468,7 +468,7 @@
             <a:fld id="{1D8BD707-D9CF-40AE-B4C6-C98DA3205C09}" type="datetimeFigureOut">
               <a:rPr lang="en-US" smtClean="0"/>
               <a:pPr/>
-              <a:t>2/7/2020</a:t>
+              <a:t>2/10/2020</a:t>
             </a:fld>
             <a:endParaRPr lang="en-US"/>
           </a:p>
@@ -643,7 +643,7 @@
             <a:fld id="{1D8BD707-D9CF-40AE-B4C6-C98DA3205C09}" type="datetimeFigureOut">
               <a:rPr lang="en-US" smtClean="0"/>
               <a:pPr/>
-              <a:t>2/7/2020</a:t>
+              <a:t>2/10/2020</a:t>
             </a:fld>
             <a:endParaRPr lang="en-US"/>
           </a:p>
@@ -808,7 +808,7 @@
             <a:fld id="{1D8BD707-D9CF-40AE-B4C6-C98DA3205C09}" type="datetimeFigureOut">
               <a:rPr lang="en-US" smtClean="0"/>
               <a:pPr/>
-              <a:t>2/7/2020</a:t>
+              <a:t>2/10/2020</a:t>
             </a:fld>
             <a:endParaRPr lang="en-US"/>
           </a:p>
@@ -1050,7 +1050,7 @@
             <a:fld id="{1D8BD707-D9CF-40AE-B4C6-C98DA3205C09}" type="datetimeFigureOut">
               <a:rPr lang="en-US" smtClean="0"/>
               <a:pPr/>
-              <a:t>2/7/2020</a:t>
+              <a:t>2/10/2020</a:t>
             </a:fld>
             <a:endParaRPr lang="en-US"/>
           </a:p>
@@ -1332,7 +1332,7 @@
             <a:fld id="{1D8BD707-D9CF-40AE-B4C6-C98DA3205C09}" type="datetimeFigureOut">
               <a:rPr lang="en-US" smtClean="0"/>
               <a:pPr/>
-              <a:t>2/7/2020</a:t>
+              <a:t>2/10/2020</a:t>
             </a:fld>
             <a:endParaRPr lang="en-US"/>
           </a:p>
@@ -1748,7 +1748,7 @@
             <a:fld id="{1D8BD707-D9CF-40AE-B4C6-C98DA3205C09}" type="datetimeFigureOut">
               <a:rPr lang="en-US" smtClean="0"/>
               <a:pPr/>
-              <a:t>2/7/2020</a:t>
+              <a:t>2/10/2020</a:t>
             </a:fld>
             <a:endParaRPr lang="en-US"/>
           </a:p>
@@ -1862,7 +1862,7 @@
             <a:fld id="{1D8BD707-D9CF-40AE-B4C6-C98DA3205C09}" type="datetimeFigureOut">
               <a:rPr lang="en-US" smtClean="0"/>
               <a:pPr/>
-              <a:t>2/7/2020</a:t>
+              <a:t>2/10/2020</a:t>
             </a:fld>
             <a:endParaRPr lang="en-US"/>
           </a:p>
@@ -1954,7 +1954,7 @@
             <a:fld id="{1D8BD707-D9CF-40AE-B4C6-C98DA3205C09}" type="datetimeFigureOut">
               <a:rPr lang="en-US" smtClean="0"/>
               <a:pPr/>
-              <a:t>2/7/2020</a:t>
+              <a:t>2/10/2020</a:t>
             </a:fld>
             <a:endParaRPr lang="en-US"/>
           </a:p>
@@ -2226,7 +2226,7 @@
             <a:fld id="{1D8BD707-D9CF-40AE-B4C6-C98DA3205C09}" type="datetimeFigureOut">
               <a:rPr lang="en-US" smtClean="0"/>
               <a:pPr/>
-              <a:t>2/7/2020</a:t>
+              <a:t>2/10/2020</a:t>
             </a:fld>
             <a:endParaRPr lang="en-US"/>
           </a:p>
@@ -2475,7 +2475,7 @@
             <a:fld id="{1D8BD707-D9CF-40AE-B4C6-C98DA3205C09}" type="datetimeFigureOut">
               <a:rPr lang="en-US" smtClean="0"/>
               <a:pPr/>
-              <a:t>2/7/2020</a:t>
+              <a:t>2/10/2020</a:t>
             </a:fld>
             <a:endParaRPr lang="en-US"/>
           </a:p>
@@ -2683,7 +2683,7 @@
             <a:fld id="{1D8BD707-D9CF-40AE-B4C6-C98DA3205C09}" type="datetimeFigureOut">
               <a:rPr lang="en-US" smtClean="0"/>
               <a:pPr/>
-              <a:t>2/7/2020</a:t>
+              <a:t>2/10/2020</a:t>
             </a:fld>
             <a:endParaRPr lang="en-US"/>
           </a:p>
@@ -3077,11 +3077,7 @@
             </a:r>
             <a:r>
               <a:rPr lang="en-US" smtClean="0"/>
-              <a:t>Feb </a:t>
-            </a:r>
-            <a:r>
-              <a:rPr lang="en-US" smtClean="0"/>
-              <a:t>11</a:t>
+              <a:t>Feb 11</a:t>
             </a:r>
             <a:r>
               <a:rPr lang="en-US" dirty="0"/>
@@ -3092,11 +3088,7 @@
             </a:br>
             <a:r>
               <a:rPr lang="en-US" sz="3600" dirty="0" smtClean="0"/>
-              <a:t>(Measurement Skills Day </a:t>
-            </a:r>
-            <a:r>
-              <a:rPr lang="en-US" sz="3600" dirty="0" smtClean="0"/>
-              <a:t>06)</a:t>
+              <a:t>(Measurement Skills Day 06)</a:t>
             </a:r>
             <a:endParaRPr lang="en-US" sz="3600" dirty="0"/>
           </a:p>
@@ -3115,7 +3107,7 @@
         <p:spPr/>
         <p:txBody>
           <a:bodyPr>
-            <a:normAutofit fontScale="92500" lnSpcReduction="10000"/>
+            <a:normAutofit fontScale="92500" lnSpcReduction="20000"/>
           </a:bodyPr>
           <a:lstStyle/>
           <a:p>
@@ -3127,8 +3119,32 @@
           <a:p>
             <a:pPr lvl="1"/>
             <a:r>
+              <a:rPr lang="en-CA" sz="2600" dirty="0"/>
+              <a:t>Converting Metric Units </a:t>
+            </a:r>
+            <a:endParaRPr lang="en-CA" sz="2600" dirty="0" smtClean="0"/>
+          </a:p>
+          <a:p>
+            <a:pPr lvl="2"/>
+            <a:r>
+              <a:rPr lang="en-CA" sz="2200" dirty="0" smtClean="0"/>
+              <a:t>Continue </a:t>
+            </a:r>
+            <a:r>
+              <a:rPr lang="en-CA" sz="2200" smtClean="0"/>
+              <a:t>from yesterday</a:t>
+            </a:r>
+            <a:endParaRPr lang="en-CA" sz="2200" dirty="0" smtClean="0"/>
+          </a:p>
+          <a:p>
+            <a:pPr lvl="1"/>
+            <a:r>
               <a:rPr lang="en-US" sz="2600" dirty="0" smtClean="0"/>
-              <a:t>Graphing Skills</a:t>
+              <a:t>Graphing </a:t>
+            </a:r>
+            <a:r>
+              <a:rPr lang="en-US" sz="2600" dirty="0" smtClean="0"/>
+              <a:t>Skills</a:t>
             </a:r>
             <a:endParaRPr lang="en-US" sz="2600" dirty="0"/>
           </a:p>
@@ -3158,7 +3174,6 @@
               <a:rPr lang="en-US" sz="2600" dirty="0" smtClean="0"/>
               <a:t>Lab Report Format</a:t>
             </a:r>
-            <a:endParaRPr lang="en-US" sz="2600" dirty="0" smtClean="0"/>
           </a:p>
           <a:p>
             <a:pPr lvl="2"/>
@@ -3166,22 +3181,13 @@
               <a:rPr lang="en-CA" sz="2200" dirty="0" smtClean="0"/>
               <a:t>Discussion: Lab Report Format Reference</a:t>
             </a:r>
-            <a:endParaRPr lang="en-CA" sz="2200" dirty="0" smtClean="0"/>
           </a:p>
           <a:p>
             <a:pPr lvl="2"/>
             <a:r>
-              <a:rPr lang="en-CA" dirty="0" smtClean="0"/>
+              <a:rPr lang="en-CA" sz="2200" dirty="0" smtClean="0"/>
               <a:t>Practice: Lab Practice Activities</a:t>
             </a:r>
-          </a:p>
-          <a:p>
-            <a:pPr lvl="1"/>
-            <a:r>
-              <a:rPr lang="en-CA" sz="2600" dirty="0" smtClean="0"/>
-              <a:t>Converting Metric Units (Debrief Yesterday)</a:t>
-            </a:r>
-            <a:endParaRPr lang="en-US" sz="2600" dirty="0" smtClean="0"/>
           </a:p>
           <a:p>
             <a:pPr lvl="1">

--- a/Daily Agendas/Day02.2_VariablesAndRelationships.pptx
+++ b/Daily Agendas/Day02.2_VariablesAndRelationships.pptx
@@ -6,6 +6,8 @@
   </p:sldMasterIdLst>
   <p:sldIdLst>
     <p:sldId id="256" r:id="rId2"/>
+    <p:sldId id="257" r:id="rId3"/>
+    <p:sldId id="258" r:id="rId4"/>
   </p:sldIdLst>
   <p:sldSz cx="9144000" cy="6858000" type="screen4x3"/>
   <p:notesSz cx="6858000" cy="9144000"/>
@@ -303,7 +305,7 @@
             <a:fld id="{1D8BD707-D9CF-40AE-B4C6-C98DA3205C09}" type="datetimeFigureOut">
               <a:rPr lang="en-US" smtClean="0"/>
               <a:pPr/>
-              <a:t>2/10/2020</a:t>
+              <a:t>2/11/2020</a:t>
             </a:fld>
             <a:endParaRPr lang="en-US"/>
           </a:p>
@@ -468,7 +470,7 @@
             <a:fld id="{1D8BD707-D9CF-40AE-B4C6-C98DA3205C09}" type="datetimeFigureOut">
               <a:rPr lang="en-US" smtClean="0"/>
               <a:pPr/>
-              <a:t>2/10/2020</a:t>
+              <a:t>2/11/2020</a:t>
             </a:fld>
             <a:endParaRPr lang="en-US"/>
           </a:p>
@@ -643,7 +645,7 @@
             <a:fld id="{1D8BD707-D9CF-40AE-B4C6-C98DA3205C09}" type="datetimeFigureOut">
               <a:rPr lang="en-US" smtClean="0"/>
               <a:pPr/>
-              <a:t>2/10/2020</a:t>
+              <a:t>2/11/2020</a:t>
             </a:fld>
             <a:endParaRPr lang="en-US"/>
           </a:p>
@@ -808,7 +810,7 @@
             <a:fld id="{1D8BD707-D9CF-40AE-B4C6-C98DA3205C09}" type="datetimeFigureOut">
               <a:rPr lang="en-US" smtClean="0"/>
               <a:pPr/>
-              <a:t>2/10/2020</a:t>
+              <a:t>2/11/2020</a:t>
             </a:fld>
             <a:endParaRPr lang="en-US"/>
           </a:p>
@@ -1050,7 +1052,7 @@
             <a:fld id="{1D8BD707-D9CF-40AE-B4C6-C98DA3205C09}" type="datetimeFigureOut">
               <a:rPr lang="en-US" smtClean="0"/>
               <a:pPr/>
-              <a:t>2/10/2020</a:t>
+              <a:t>2/11/2020</a:t>
             </a:fld>
             <a:endParaRPr lang="en-US"/>
           </a:p>
@@ -1332,7 +1334,7 @@
             <a:fld id="{1D8BD707-D9CF-40AE-B4C6-C98DA3205C09}" type="datetimeFigureOut">
               <a:rPr lang="en-US" smtClean="0"/>
               <a:pPr/>
-              <a:t>2/10/2020</a:t>
+              <a:t>2/11/2020</a:t>
             </a:fld>
             <a:endParaRPr lang="en-US"/>
           </a:p>
@@ -1748,7 +1750,7 @@
             <a:fld id="{1D8BD707-D9CF-40AE-B4C6-C98DA3205C09}" type="datetimeFigureOut">
               <a:rPr lang="en-US" smtClean="0"/>
               <a:pPr/>
-              <a:t>2/10/2020</a:t>
+              <a:t>2/11/2020</a:t>
             </a:fld>
             <a:endParaRPr lang="en-US"/>
           </a:p>
@@ -1862,7 +1864,7 @@
             <a:fld id="{1D8BD707-D9CF-40AE-B4C6-C98DA3205C09}" type="datetimeFigureOut">
               <a:rPr lang="en-US" smtClean="0"/>
               <a:pPr/>
-              <a:t>2/10/2020</a:t>
+              <a:t>2/11/2020</a:t>
             </a:fld>
             <a:endParaRPr lang="en-US"/>
           </a:p>
@@ -1954,7 +1956,7 @@
             <a:fld id="{1D8BD707-D9CF-40AE-B4C6-C98DA3205C09}" type="datetimeFigureOut">
               <a:rPr lang="en-US" smtClean="0"/>
               <a:pPr/>
-              <a:t>2/10/2020</a:t>
+              <a:t>2/11/2020</a:t>
             </a:fld>
             <a:endParaRPr lang="en-US"/>
           </a:p>
@@ -2226,7 +2228,7 @@
             <a:fld id="{1D8BD707-D9CF-40AE-B4C6-C98DA3205C09}" type="datetimeFigureOut">
               <a:rPr lang="en-US" smtClean="0"/>
               <a:pPr/>
-              <a:t>2/10/2020</a:t>
+              <a:t>2/11/2020</a:t>
             </a:fld>
             <a:endParaRPr lang="en-US"/>
           </a:p>
@@ -2475,7 +2477,7 @@
             <a:fld id="{1D8BD707-D9CF-40AE-B4C6-C98DA3205C09}" type="datetimeFigureOut">
               <a:rPr lang="en-US" smtClean="0"/>
               <a:pPr/>
-              <a:t>2/10/2020</a:t>
+              <a:t>2/11/2020</a:t>
             </a:fld>
             <a:endParaRPr lang="en-US"/>
           </a:p>
@@ -2683,7 +2685,7 @@
             <a:fld id="{1D8BD707-D9CF-40AE-B4C6-C98DA3205C09}" type="datetimeFigureOut">
               <a:rPr lang="en-US" smtClean="0"/>
               <a:pPr/>
-              <a:t>2/10/2020</a:t>
+              <a:t>2/11/2020</a:t>
             </a:fld>
             <a:endParaRPr lang="en-US"/>
           </a:p>
@@ -3073,11 +3075,15 @@
           <a:p>
             <a:r>
               <a:rPr lang="en-US" dirty="0" smtClean="0"/>
-              <a:t>Weakest Link Rules – </a:t>
+              <a:t>Variables </a:t>
             </a:r>
             <a:r>
               <a:rPr lang="en-US" smtClean="0"/>
-              <a:t>Feb 11</a:t>
+              <a:t>&amp; Relationships </a:t>
+            </a:r>
+            <a:r>
+              <a:rPr lang="en-US" dirty="0" smtClean="0"/>
+              <a:t>– Feb 11</a:t>
             </a:r>
             <a:r>
               <a:rPr lang="en-US" dirty="0"/>
@@ -3140,11 +3146,7 @@
             <a:pPr lvl="1"/>
             <a:r>
               <a:rPr lang="en-US" sz="2600" dirty="0" smtClean="0"/>
-              <a:t>Graphing </a:t>
-            </a:r>
-            <a:r>
-              <a:rPr lang="en-US" sz="2600" dirty="0" smtClean="0"/>
-              <a:t>Skills</a:t>
+              <a:t>Graphing Skills</a:t>
             </a:r>
             <a:endParaRPr lang="en-US" sz="2600" dirty="0"/>
           </a:p>
@@ -3231,6 +3233,432 @@
       </p:par>
     </p:tnLst>
   </p:timing>
+</p:sld>
+</file>
+
+<file path=ppt/slides/slide2.xml><?xml version="1.0" encoding="utf-8"?>
+<p:sld xmlns:a="http://schemas.openxmlformats.org/drawingml/2006/main" xmlns:r="http://schemas.openxmlformats.org/officeDocument/2006/relationships" xmlns:p="http://schemas.openxmlformats.org/presentationml/2006/main">
+  <p:cSld>
+    <p:spTree>
+      <p:nvGrpSpPr>
+        <p:cNvPr id="1" name=""/>
+        <p:cNvGrpSpPr/>
+        <p:nvPr/>
+      </p:nvGrpSpPr>
+      <p:grpSpPr>
+        <a:xfrm>
+          <a:off x="0" y="0"/>
+          <a:ext cx="0" cy="0"/>
+          <a:chOff x="0" y="0"/>
+          <a:chExt cx="0" cy="0"/>
+        </a:xfrm>
+      </p:grpSpPr>
+      <p:sp>
+        <p:nvSpPr>
+          <p:cNvPr id="2" name="Title 1"/>
+          <p:cNvSpPr>
+            <a:spLocks noGrp="1"/>
+          </p:cNvSpPr>
+          <p:nvPr>
+            <p:ph type="title"/>
+          </p:nvPr>
+        </p:nvSpPr>
+        <p:spPr/>
+        <p:txBody>
+          <a:bodyPr/>
+          <a:lstStyle/>
+          <a:p>
+            <a:r>
+              <a:rPr lang="en-CA" dirty="0" smtClean="0"/>
+              <a:t>Converting Units Warm-Up</a:t>
+            </a:r>
+            <a:endParaRPr lang="en-US" dirty="0"/>
+          </a:p>
+        </p:txBody>
+      </p:sp>
+      <p:sp>
+        <p:nvSpPr>
+          <p:cNvPr id="3" name="Content Placeholder 2"/>
+          <p:cNvSpPr>
+            <a:spLocks noGrp="1"/>
+          </p:cNvSpPr>
+          <p:nvPr>
+            <p:ph idx="1"/>
+          </p:nvPr>
+        </p:nvSpPr>
+        <p:spPr/>
+        <p:txBody>
+          <a:bodyPr/>
+          <a:lstStyle/>
+          <a:p>
+            <a:pPr marL="0" indent="0">
+              <a:buNone/>
+            </a:pPr>
+            <a:endParaRPr lang="en-CA" dirty="0" smtClean="0"/>
+          </a:p>
+          <a:p>
+            <a:pPr marL="0" indent="0" algn="ctr">
+              <a:buNone/>
+            </a:pPr>
+            <a:r>
+              <a:rPr lang="en-CA" sz="3600" dirty="0" smtClean="0"/>
+              <a:t>Convert</a:t>
+            </a:r>
+            <a:r>
+              <a:rPr lang="en-CA" sz="3600" dirty="0"/>
+              <a:t>: 25,000 mm = ? </a:t>
+            </a:r>
+            <a:r>
+              <a:rPr lang="en-CA" sz="3600" i="1" dirty="0"/>
+              <a:t>µ</a:t>
+            </a:r>
+            <a:r>
+              <a:rPr lang="en-CA" sz="3600" dirty="0"/>
+              <a:t>m</a:t>
+            </a:r>
+            <a:endParaRPr lang="en-US" sz="3600" dirty="0"/>
+          </a:p>
+          <a:p>
+            <a:pPr marL="0" indent="0">
+              <a:buNone/>
+            </a:pPr>
+            <a:endParaRPr lang="en-US" dirty="0"/>
+          </a:p>
+        </p:txBody>
+      </p:sp>
+    </p:spTree>
+    <p:extLst>
+      <p:ext uri="{BB962C8B-B14F-4D97-AF65-F5344CB8AC3E}">
+        <p14:creationId xmlns:p14="http://schemas.microsoft.com/office/powerpoint/2010/main" val="1859858067"/>
+      </p:ext>
+    </p:extLst>
+  </p:cSld>
+  <p:clrMapOvr>
+    <a:masterClrMapping/>
+  </p:clrMapOvr>
+</p:sld>
+</file>
+
+<file path=ppt/slides/slide3.xml><?xml version="1.0" encoding="utf-8"?>
+<p:sld xmlns:a="http://schemas.openxmlformats.org/drawingml/2006/main" xmlns:r="http://schemas.openxmlformats.org/officeDocument/2006/relationships" xmlns:p="http://schemas.openxmlformats.org/presentationml/2006/main">
+  <p:cSld>
+    <p:spTree>
+      <p:nvGrpSpPr>
+        <p:cNvPr id="1" name=""/>
+        <p:cNvGrpSpPr/>
+        <p:nvPr/>
+      </p:nvGrpSpPr>
+      <p:grpSpPr>
+        <a:xfrm>
+          <a:off x="0" y="0"/>
+          <a:ext cx="0" cy="0"/>
+          <a:chOff x="0" y="0"/>
+          <a:chExt cx="0" cy="0"/>
+        </a:xfrm>
+      </p:grpSpPr>
+      <p:sp>
+        <p:nvSpPr>
+          <p:cNvPr id="2" name="Title 1"/>
+          <p:cNvSpPr>
+            <a:spLocks noGrp="1"/>
+          </p:cNvSpPr>
+          <p:nvPr>
+            <p:ph type="title"/>
+          </p:nvPr>
+        </p:nvSpPr>
+        <p:spPr/>
+        <p:txBody>
+          <a:bodyPr/>
+          <a:lstStyle/>
+          <a:p>
+            <a:r>
+              <a:rPr lang="en-CA" dirty="0" smtClean="0"/>
+              <a:t>Converting Units Warm-Up</a:t>
+            </a:r>
+            <a:endParaRPr lang="en-US" dirty="0"/>
+          </a:p>
+        </p:txBody>
+      </p:sp>
+      <p:sp>
+        <p:nvSpPr>
+          <p:cNvPr id="3" name="Content Placeholder 2"/>
+          <p:cNvSpPr>
+            <a:spLocks noGrp="1"/>
+          </p:cNvSpPr>
+          <p:nvPr>
+            <p:ph idx="1"/>
+          </p:nvPr>
+        </p:nvSpPr>
+        <p:spPr/>
+        <p:txBody>
+          <a:bodyPr/>
+          <a:lstStyle/>
+          <a:p>
+            <a:pPr marL="0" indent="0">
+              <a:buNone/>
+            </a:pPr>
+            <a:endParaRPr lang="en-CA" dirty="0" smtClean="0"/>
+          </a:p>
+          <a:p>
+            <a:pPr marL="0" indent="0" algn="ctr">
+              <a:buNone/>
+            </a:pPr>
+            <a:r>
+              <a:rPr lang="en-CA" sz="3600" dirty="0" smtClean="0"/>
+              <a:t>Convert</a:t>
+            </a:r>
+            <a:r>
+              <a:rPr lang="en-CA" sz="3600" dirty="0"/>
+              <a:t>: 25,000 </a:t>
+            </a:r>
+            <a:r>
+              <a:rPr lang="en-CA" sz="3600" u="sng" dirty="0">
+                <a:solidFill>
+                  <a:schemeClr val="accent1">
+                    <a:lumMod val="75000"/>
+                  </a:schemeClr>
+                </a:solidFill>
+              </a:rPr>
+              <a:t>m</a:t>
+            </a:r>
+            <a:r>
+              <a:rPr lang="en-CA" sz="3600" dirty="0"/>
+              <a:t>m = ? </a:t>
+            </a:r>
+            <a:r>
+              <a:rPr lang="en-CA" sz="3600" i="1" u="sng" dirty="0">
+                <a:solidFill>
+                  <a:schemeClr val="accent2">
+                    <a:lumMod val="75000"/>
+                  </a:schemeClr>
+                </a:solidFill>
+              </a:rPr>
+              <a:t>µ</a:t>
+            </a:r>
+            <a:r>
+              <a:rPr lang="en-CA" sz="3600" dirty="0"/>
+              <a:t>m</a:t>
+            </a:r>
+            <a:endParaRPr lang="en-US" sz="3600" dirty="0"/>
+          </a:p>
+          <a:p>
+            <a:pPr marL="0" indent="0">
+              <a:buNone/>
+            </a:pPr>
+            <a:endParaRPr lang="en-CA" dirty="0" smtClean="0"/>
+          </a:p>
+          <a:p>
+            <a:pPr marL="0" indent="0" algn="ctr">
+              <a:buNone/>
+            </a:pPr>
+            <a:r>
+              <a:rPr lang="en-CA" sz="3600" dirty="0" smtClean="0"/>
+              <a:t>2.5x10</a:t>
+            </a:r>
+            <a:r>
+              <a:rPr lang="en-CA" sz="3600" baseline="30000" dirty="0" smtClean="0"/>
+              <a:t>4</a:t>
+            </a:r>
+            <a:r>
+              <a:rPr lang="en-CA" sz="3600" dirty="0" smtClean="0"/>
+              <a:t>  </a:t>
+            </a:r>
+            <a:r>
+              <a:rPr lang="en-CA" sz="3600" dirty="0" smtClean="0">
+                <a:solidFill>
+                  <a:schemeClr val="accent1">
+                    <a:lumMod val="75000"/>
+                  </a:schemeClr>
+                </a:solidFill>
+              </a:rPr>
+              <a:t>x 10</a:t>
+            </a:r>
+            <a:r>
+              <a:rPr lang="en-CA" sz="3600" baseline="30000" dirty="0" smtClean="0">
+                <a:solidFill>
+                  <a:schemeClr val="accent1">
+                    <a:lumMod val="75000"/>
+                  </a:schemeClr>
+                </a:solidFill>
+              </a:rPr>
+              <a:t>-3</a:t>
+            </a:r>
+            <a:r>
+              <a:rPr lang="en-CA" sz="3600" dirty="0" smtClean="0">
+                <a:solidFill>
+                  <a:schemeClr val="accent1">
+                    <a:lumMod val="75000"/>
+                  </a:schemeClr>
+                </a:solidFill>
+              </a:rPr>
+              <a:t>  </a:t>
+            </a:r>
+            <a:r>
+              <a:rPr lang="en-CA" sz="3600" dirty="0" smtClean="0">
+                <a:solidFill>
+                  <a:schemeClr val="accent2">
+                    <a:lumMod val="75000"/>
+                  </a:schemeClr>
+                </a:solidFill>
+              </a:rPr>
+              <a:t>÷ 10</a:t>
+            </a:r>
+            <a:r>
+              <a:rPr lang="en-CA" sz="3600" baseline="30000" dirty="0" smtClean="0">
+                <a:solidFill>
+                  <a:schemeClr val="accent2">
+                    <a:lumMod val="75000"/>
+                  </a:schemeClr>
+                </a:solidFill>
+              </a:rPr>
+              <a:t>-6</a:t>
+            </a:r>
+            <a:endParaRPr lang="en-CA" sz="3600" baseline="-25000" dirty="0" smtClean="0">
+              <a:solidFill>
+                <a:schemeClr val="accent2">
+                  <a:lumMod val="75000"/>
+                </a:schemeClr>
+              </a:solidFill>
+            </a:endParaRPr>
+          </a:p>
+          <a:p>
+            <a:pPr marL="0" indent="0" algn="ctr">
+              <a:buNone/>
+            </a:pPr>
+            <a:endParaRPr lang="en-CA" dirty="0" smtClean="0"/>
+          </a:p>
+          <a:p>
+            <a:pPr marL="0" indent="0" algn="ctr">
+              <a:buNone/>
+            </a:pPr>
+            <a:r>
+              <a:rPr lang="en-CA" sz="4000" dirty="0" smtClean="0"/>
+              <a:t>2.5 x 10</a:t>
+            </a:r>
+            <a:r>
+              <a:rPr lang="en-CA" sz="4000" baseline="30000" dirty="0" smtClean="0"/>
+              <a:t>7</a:t>
+            </a:r>
+          </a:p>
+        </p:txBody>
+      </p:sp>
+      <p:cxnSp>
+        <p:nvCxnSpPr>
+          <p:cNvPr id="5" name="Straight Arrow Connector 4"/>
+          <p:cNvCxnSpPr/>
+          <p:nvPr/>
+        </p:nvCxnSpPr>
+        <p:spPr>
+          <a:xfrm flipH="1">
+            <a:off x="4876800" y="2819400"/>
+            <a:ext cx="381000" cy="685800"/>
+          </a:xfrm>
+          <a:prstGeom prst="straightConnector1">
+            <a:avLst/>
+          </a:prstGeom>
+          <a:ln w="38100">
+            <a:tailEnd type="triangle"/>
+          </a:ln>
+        </p:spPr>
+        <p:style>
+          <a:lnRef idx="1">
+            <a:schemeClr val="accent1"/>
+          </a:lnRef>
+          <a:fillRef idx="0">
+            <a:schemeClr val="accent1"/>
+          </a:fillRef>
+          <a:effectRef idx="0">
+            <a:schemeClr val="accent1"/>
+          </a:effectRef>
+          <a:fontRef idx="minor">
+            <a:schemeClr val="tx1"/>
+          </a:fontRef>
+        </p:style>
+      </p:cxnSp>
+      <p:cxnSp>
+        <p:nvCxnSpPr>
+          <p:cNvPr id="6" name="Straight Arrow Connector 5"/>
+          <p:cNvCxnSpPr/>
+          <p:nvPr/>
+        </p:nvCxnSpPr>
+        <p:spPr>
+          <a:xfrm flipH="1">
+            <a:off x="6248400" y="2834640"/>
+            <a:ext cx="381000" cy="685800"/>
+          </a:xfrm>
+          <a:prstGeom prst="straightConnector1">
+            <a:avLst/>
+          </a:prstGeom>
+          <a:ln w="38100">
+            <a:solidFill>
+              <a:schemeClr val="accent2">
+                <a:lumMod val="75000"/>
+              </a:schemeClr>
+            </a:solidFill>
+            <a:tailEnd type="triangle"/>
+          </a:ln>
+        </p:spPr>
+        <p:style>
+          <a:lnRef idx="1">
+            <a:schemeClr val="accent1"/>
+          </a:lnRef>
+          <a:fillRef idx="0">
+            <a:schemeClr val="accent1"/>
+          </a:fillRef>
+          <a:effectRef idx="0">
+            <a:schemeClr val="accent1"/>
+          </a:effectRef>
+          <a:fontRef idx="minor">
+            <a:schemeClr val="tx1"/>
+          </a:fontRef>
+        </p:style>
+      </p:cxnSp>
+      <p:cxnSp>
+        <p:nvCxnSpPr>
+          <p:cNvPr id="7" name="Straight Arrow Connector 6"/>
+          <p:cNvCxnSpPr/>
+          <p:nvPr/>
+        </p:nvCxnSpPr>
+        <p:spPr>
+          <a:xfrm flipH="1">
+            <a:off x="3581400" y="2795016"/>
+            <a:ext cx="381000" cy="685800"/>
+          </a:xfrm>
+          <a:prstGeom prst="straightConnector1">
+            <a:avLst/>
+          </a:prstGeom>
+          <a:ln w="38100">
+            <a:solidFill>
+              <a:schemeClr val="tx1"/>
+            </a:solidFill>
+            <a:tailEnd type="triangle"/>
+          </a:ln>
+        </p:spPr>
+        <p:style>
+          <a:lnRef idx="1">
+            <a:schemeClr val="accent1"/>
+          </a:lnRef>
+          <a:fillRef idx="0">
+            <a:schemeClr val="accent1"/>
+          </a:fillRef>
+          <a:effectRef idx="0">
+            <a:schemeClr val="accent1"/>
+          </a:effectRef>
+          <a:fontRef idx="minor">
+            <a:schemeClr val="tx1"/>
+          </a:fontRef>
+        </p:style>
+      </p:cxnSp>
+    </p:spTree>
+    <p:extLst>
+      <p:ext uri="{BB962C8B-B14F-4D97-AF65-F5344CB8AC3E}">
+        <p14:creationId xmlns:p14="http://schemas.microsoft.com/office/powerpoint/2010/main" val="712105195"/>
+      </p:ext>
+    </p:extLst>
+  </p:cSld>
+  <p:clrMapOvr>
+    <a:masterClrMapping/>
+  </p:clrMapOvr>
 </p:sld>
 </file>
 
